--- a/ch01_HTTP_개관/1장 HTTP 개관.pptx
+++ b/ch01_HTTP_개관/1장 HTTP 개관.pptx
@@ -115,6 +115,11 @@
       </a:defRPr>
     </a:lvl9pPr>
   </p:defaultTextStyle>
+  <p:extLst>
+    <p:ext uri="{EFAFB233-063F-42B5-8137-9DF3F51BA10A}">
+      <p15:sldGuideLst xmlns:p15="http://schemas.microsoft.com/office/powerpoint/2012/main"/>
+    </p:ext>
+  </p:extLst>
 </p:presentation>
 </file>
 
@@ -46079,7 +46084,7 @@
         </p:nvCxnSpPr>
         <p:spPr>
           <a:xfrm>
-            <a:off x="2191109" y="4780499"/>
+            <a:off x="2191109" y="4676893"/>
             <a:ext cx="3105510" cy="0"/>
           </a:xfrm>
           <a:prstGeom prst="line">
@@ -46155,7 +46160,7 @@
         </p:nvSpPr>
         <p:spPr>
           <a:xfrm>
-            <a:off x="2232689" y="4780499"/>
+            <a:off x="2232689" y="4720164"/>
             <a:ext cx="646331" cy="369332"/>
           </a:xfrm>
           <a:prstGeom prst="rect">
@@ -46293,6 +46298,82 @@
                 </a:solidFill>
               </a:rPr>
               <a:t>헤더</a:t>
+            </a:r>
+          </a:p>
+        </p:txBody>
+      </p:sp>
+      <p:cxnSp>
+        <p:nvCxnSpPr>
+          <p:cNvPr id="2" name="직선 연결선 1">
+            <a:extLst>
+              <a:ext uri="{FF2B5EF4-FFF2-40B4-BE49-F238E27FC236}">
+                <a16:creationId xmlns:a16="http://schemas.microsoft.com/office/drawing/2014/main" id="{239D17F8-CE99-95EE-C027-7272C62D18C9}"/>
+              </a:ext>
+            </a:extLst>
+          </p:cNvPr>
+          <p:cNvCxnSpPr/>
+          <p:nvPr/>
+        </p:nvCxnSpPr>
+        <p:spPr>
+          <a:xfrm>
+            <a:off x="2191109" y="5912605"/>
+            <a:ext cx="3105510" cy="0"/>
+          </a:xfrm>
+          <a:prstGeom prst="line">
+            <a:avLst/>
+          </a:prstGeom>
+          <a:ln w="28575"/>
+        </p:spPr>
+        <p:style>
+          <a:lnRef idx="1">
+            <a:schemeClr val="dk1"/>
+          </a:lnRef>
+          <a:fillRef idx="0">
+            <a:schemeClr val="dk1"/>
+          </a:fillRef>
+          <a:effectRef idx="0">
+            <a:schemeClr val="dk1"/>
+          </a:effectRef>
+          <a:fontRef idx="minor">
+            <a:schemeClr val="tx1"/>
+          </a:fontRef>
+        </p:style>
+      </p:cxnSp>
+      <p:sp>
+        <p:nvSpPr>
+          <p:cNvPr id="11" name="TextBox 10">
+            <a:extLst>
+              <a:ext uri="{FF2B5EF4-FFF2-40B4-BE49-F238E27FC236}">
+                <a16:creationId xmlns:a16="http://schemas.microsoft.com/office/drawing/2014/main" id="{164407BC-CC05-F576-60B7-C935F6AD2505}"/>
+              </a:ext>
+            </a:extLst>
+          </p:cNvPr>
+          <p:cNvSpPr txBox="1"/>
+          <p:nvPr/>
+        </p:nvSpPr>
+        <p:spPr>
+          <a:xfrm>
+            <a:off x="2207840" y="5903991"/>
+            <a:ext cx="646331" cy="369332"/>
+          </a:xfrm>
+          <a:prstGeom prst="rect">
+            <a:avLst/>
+          </a:prstGeom>
+          <a:noFill/>
+        </p:spPr>
+        <p:txBody>
+          <a:bodyPr wrap="none" rtlCol="0">
+            <a:spAutoFit/>
+          </a:bodyPr>
+          <a:lstStyle/>
+          <a:p>
+            <a:r>
+              <a:rPr lang="ko-KR" altLang="en-US" dirty="0">
+                <a:solidFill>
+                  <a:schemeClr val="accent2"/>
+                </a:solidFill>
+              </a:rPr>
+              <a:t>본문</a:t>
             </a:r>
           </a:p>
         </p:txBody>
